--- a/Entity framework.pptx
+++ b/Entity framework.pptx
@@ -5,67 +5,68 @@
     <p:sldMasterId id="2147483660" r:id="rId1"/>
   </p:sldMasterIdLst>
   <p:notesMasterIdLst>
-    <p:notesMasterId r:id="rId60"/>
+    <p:notesMasterId r:id="rId61"/>
   </p:notesMasterIdLst>
   <p:sldIdLst>
     <p:sldId id="256" r:id="rId2"/>
-    <p:sldId id="298" r:id="rId3"/>
-    <p:sldId id="306" r:id="rId4"/>
-    <p:sldId id="307" r:id="rId5"/>
-    <p:sldId id="308" r:id="rId6"/>
-    <p:sldId id="309" r:id="rId7"/>
-    <p:sldId id="310" r:id="rId8"/>
-    <p:sldId id="311" r:id="rId9"/>
-    <p:sldId id="312" r:id="rId10"/>
-    <p:sldId id="315" r:id="rId11"/>
-    <p:sldId id="314" r:id="rId12"/>
-    <p:sldId id="258" r:id="rId13"/>
-    <p:sldId id="259" r:id="rId14"/>
-    <p:sldId id="260" r:id="rId15"/>
-    <p:sldId id="319" r:id="rId16"/>
-    <p:sldId id="316" r:id="rId17"/>
-    <p:sldId id="317" r:id="rId18"/>
-    <p:sldId id="318" r:id="rId19"/>
-    <p:sldId id="320" r:id="rId20"/>
-    <p:sldId id="321" r:id="rId21"/>
-    <p:sldId id="322" r:id="rId22"/>
-    <p:sldId id="323" r:id="rId23"/>
-    <p:sldId id="324" r:id="rId24"/>
-    <p:sldId id="326" r:id="rId25"/>
-    <p:sldId id="325" r:id="rId26"/>
-    <p:sldId id="327" r:id="rId27"/>
-    <p:sldId id="328" r:id="rId28"/>
-    <p:sldId id="329" r:id="rId29"/>
-    <p:sldId id="330" r:id="rId30"/>
-    <p:sldId id="331" r:id="rId31"/>
-    <p:sldId id="335" r:id="rId32"/>
-    <p:sldId id="350" r:id="rId33"/>
-    <p:sldId id="351" r:id="rId34"/>
-    <p:sldId id="352" r:id="rId35"/>
-    <p:sldId id="354" r:id="rId36"/>
-    <p:sldId id="353" r:id="rId37"/>
-    <p:sldId id="355" r:id="rId38"/>
-    <p:sldId id="356" r:id="rId39"/>
-    <p:sldId id="358" r:id="rId40"/>
-    <p:sldId id="357" r:id="rId41"/>
-    <p:sldId id="332" r:id="rId42"/>
-    <p:sldId id="336" r:id="rId43"/>
-    <p:sldId id="334" r:id="rId44"/>
-    <p:sldId id="337" r:id="rId45"/>
-    <p:sldId id="338" r:id="rId46"/>
-    <p:sldId id="339" r:id="rId47"/>
-    <p:sldId id="340" r:id="rId48"/>
-    <p:sldId id="341" r:id="rId49"/>
-    <p:sldId id="342" r:id="rId50"/>
-    <p:sldId id="343" r:id="rId51"/>
-    <p:sldId id="344" r:id="rId52"/>
-    <p:sldId id="345" r:id="rId53"/>
-    <p:sldId id="346" r:id="rId54"/>
-    <p:sldId id="347" r:id="rId55"/>
-    <p:sldId id="348" r:id="rId56"/>
-    <p:sldId id="349" r:id="rId57"/>
-    <p:sldId id="359" r:id="rId58"/>
-    <p:sldId id="333" r:id="rId59"/>
+    <p:sldId id="360" r:id="rId3"/>
+    <p:sldId id="298" r:id="rId4"/>
+    <p:sldId id="306" r:id="rId5"/>
+    <p:sldId id="307" r:id="rId6"/>
+    <p:sldId id="308" r:id="rId7"/>
+    <p:sldId id="309" r:id="rId8"/>
+    <p:sldId id="310" r:id="rId9"/>
+    <p:sldId id="311" r:id="rId10"/>
+    <p:sldId id="312" r:id="rId11"/>
+    <p:sldId id="315" r:id="rId12"/>
+    <p:sldId id="314" r:id="rId13"/>
+    <p:sldId id="258" r:id="rId14"/>
+    <p:sldId id="259" r:id="rId15"/>
+    <p:sldId id="260" r:id="rId16"/>
+    <p:sldId id="319" r:id="rId17"/>
+    <p:sldId id="316" r:id="rId18"/>
+    <p:sldId id="317" r:id="rId19"/>
+    <p:sldId id="318" r:id="rId20"/>
+    <p:sldId id="320" r:id="rId21"/>
+    <p:sldId id="321" r:id="rId22"/>
+    <p:sldId id="322" r:id="rId23"/>
+    <p:sldId id="323" r:id="rId24"/>
+    <p:sldId id="324" r:id="rId25"/>
+    <p:sldId id="326" r:id="rId26"/>
+    <p:sldId id="325" r:id="rId27"/>
+    <p:sldId id="327" r:id="rId28"/>
+    <p:sldId id="328" r:id="rId29"/>
+    <p:sldId id="329" r:id="rId30"/>
+    <p:sldId id="330" r:id="rId31"/>
+    <p:sldId id="331" r:id="rId32"/>
+    <p:sldId id="335" r:id="rId33"/>
+    <p:sldId id="350" r:id="rId34"/>
+    <p:sldId id="351" r:id="rId35"/>
+    <p:sldId id="352" r:id="rId36"/>
+    <p:sldId id="354" r:id="rId37"/>
+    <p:sldId id="353" r:id="rId38"/>
+    <p:sldId id="355" r:id="rId39"/>
+    <p:sldId id="356" r:id="rId40"/>
+    <p:sldId id="358" r:id="rId41"/>
+    <p:sldId id="357" r:id="rId42"/>
+    <p:sldId id="332" r:id="rId43"/>
+    <p:sldId id="336" r:id="rId44"/>
+    <p:sldId id="334" r:id="rId45"/>
+    <p:sldId id="337" r:id="rId46"/>
+    <p:sldId id="338" r:id="rId47"/>
+    <p:sldId id="339" r:id="rId48"/>
+    <p:sldId id="340" r:id="rId49"/>
+    <p:sldId id="341" r:id="rId50"/>
+    <p:sldId id="342" r:id="rId51"/>
+    <p:sldId id="343" r:id="rId52"/>
+    <p:sldId id="344" r:id="rId53"/>
+    <p:sldId id="345" r:id="rId54"/>
+    <p:sldId id="346" r:id="rId55"/>
+    <p:sldId id="347" r:id="rId56"/>
+    <p:sldId id="348" r:id="rId57"/>
+    <p:sldId id="349" r:id="rId58"/>
+    <p:sldId id="359" r:id="rId59"/>
+    <p:sldId id="333" r:id="rId60"/>
   </p:sldIdLst>
   <p:sldSz cx="12192000" cy="6858000"/>
   <p:notesSz cx="6858000" cy="9144000"/>
@@ -591,7 +592,7 @@
           <a:p>
             <a:fld id="{9491216D-2341-4EDA-9809-D6A62DE72BC4}" type="slidenum">
               <a:rPr lang="en-NL" smtClean="0"/>
-              <a:t>10</a:t>
+              <a:t>11</a:t>
             </a:fld>
             <a:endParaRPr lang="en-NL"/>
           </a:p>
@@ -679,7 +680,7 @@
           <a:p>
             <a:fld id="{B1805199-FCAC-4D9B-9AEC-5B364BB3D550}" type="slidenum">
               <a:rPr lang="en-NL" smtClean="0"/>
-              <a:t>37</a:t>
+              <a:t>38</a:t>
             </a:fld>
             <a:endParaRPr lang="en-NL"/>
           </a:p>
@@ -779,7 +780,7 @@
           <a:p>
             <a:fld id="{B1805199-FCAC-4D9B-9AEC-5B364BB3D550}" type="slidenum">
               <a:rPr lang="en-NL" smtClean="0"/>
-              <a:t>45</a:t>
+              <a:t>46</a:t>
             </a:fld>
             <a:endParaRPr lang="en-NL"/>
           </a:p>
@@ -21360,7 +21361,112 @@
 </file>
 
 <file path=ppt/slides/slide10.xml><?xml version="1.0" encoding="utf-8"?>
-<p:sld xmlns:a="http://schemas.openxmlformats.org/drawingml/2006/main" xmlns:r="http://schemas.openxmlformats.org/officeDocument/2006/relationships" xmlns:p="http://schemas.openxmlformats.org/presentationml/2006/main">
+<p:sld xmlns:a="http://schemas.openxmlformats.org/drawingml/2006/main" xmlns:r="http://schemas.openxmlformats.org/officeDocument/2006/relationships" xmlns:p="http://schemas.openxmlformats.org/presentationml/2006/main" show="0">
+  <p:cSld>
+    <p:spTree>
+      <p:nvGrpSpPr>
+        <p:cNvPr id="1" name=""/>
+        <p:cNvGrpSpPr/>
+        <p:nvPr/>
+      </p:nvGrpSpPr>
+      <p:grpSpPr>
+        <a:xfrm>
+          <a:off x="0" y="0"/>
+          <a:ext cx="0" cy="0"/>
+          <a:chOff x="0" y="0"/>
+          <a:chExt cx="0" cy="0"/>
+        </a:xfrm>
+      </p:grpSpPr>
+      <p:sp>
+        <p:nvSpPr>
+          <p:cNvPr id="2" name="Title 1">
+            <a:extLst>
+              <a:ext uri="{FF2B5EF4-FFF2-40B4-BE49-F238E27FC236}">
+                <a16:creationId xmlns:a16="http://schemas.microsoft.com/office/drawing/2014/main" id="{1D188030-44B0-6D7F-A00C-DFEF233FE03F}"/>
+              </a:ext>
+            </a:extLst>
+          </p:cNvPr>
+          <p:cNvSpPr>
+            <a:spLocks noGrp="1"/>
+          </p:cNvSpPr>
+          <p:nvPr>
+            <p:ph type="title"/>
+          </p:nvPr>
+        </p:nvSpPr>
+        <p:spPr/>
+        <p:txBody>
+          <a:bodyPr/>
+          <a:lstStyle/>
+          <a:p>
+            <a:r>
+              <a:rPr lang="en-US" dirty="0"/>
+              <a:t>Getting Started with EF Core</a:t>
+            </a:r>
+            <a:endParaRPr lang="en-NL" dirty="0"/>
+          </a:p>
+        </p:txBody>
+      </p:sp>
+      <p:sp>
+        <p:nvSpPr>
+          <p:cNvPr id="3" name="Content Placeholder 2">
+            <a:extLst>
+              <a:ext uri="{FF2B5EF4-FFF2-40B4-BE49-F238E27FC236}">
+                <a16:creationId xmlns:a16="http://schemas.microsoft.com/office/drawing/2014/main" id="{84B5DACF-E173-F1B4-D0C8-3D7690D2C93B}"/>
+              </a:ext>
+            </a:extLst>
+          </p:cNvPr>
+          <p:cNvSpPr>
+            <a:spLocks noGrp="1"/>
+          </p:cNvSpPr>
+          <p:nvPr>
+            <p:ph idx="1"/>
+          </p:nvPr>
+        </p:nvSpPr>
+        <p:spPr/>
+        <p:txBody>
+          <a:bodyPr/>
+          <a:lstStyle/>
+          <a:p>
+            <a:r>
+              <a:rPr lang="en-US" dirty="0"/>
+              <a:t>In this tutorial, you create a .NET Core console app that performs data access against a SQLite database using Entity Framework Core.</a:t>
+            </a:r>
+          </a:p>
+          <a:p>
+            <a:r>
+              <a:rPr lang="en-US" dirty="0"/>
+              <a:t>You can follow the tutorial by using Visual Studio on Windows, or by using the .NET Core CLI on Windows, macOS, or Linux.</a:t>
+            </a:r>
+          </a:p>
+          <a:p>
+            <a:r>
+              <a:rPr lang="nl-NL" dirty="0">
+                <a:hlinkClick r:id="rId2"/>
+              </a:rPr>
+              <a:t>https://docs.microsoft.com/en-us/ef/core/get-started/overview/first-app?tabs=visual-studio</a:t>
+            </a:r>
+            <a:endParaRPr lang="nl-NL" dirty="0"/>
+          </a:p>
+          <a:p>
+            <a:endParaRPr lang="en-NL" dirty="0"/>
+          </a:p>
+        </p:txBody>
+      </p:sp>
+    </p:spTree>
+    <p:extLst>
+      <p:ext uri="{BB962C8B-B14F-4D97-AF65-F5344CB8AC3E}">
+        <p14:creationId xmlns:p14="http://schemas.microsoft.com/office/powerpoint/2010/main" val="4276515302"/>
+      </p:ext>
+    </p:extLst>
+  </p:cSld>
+  <p:clrMapOvr>
+    <a:masterClrMapping/>
+  </p:clrMapOvr>
+</p:sld>
+</file>
+
+<file path=ppt/slides/slide11.xml><?xml version="1.0" encoding="utf-8"?>
+<p:sld xmlns:a="http://schemas.openxmlformats.org/drawingml/2006/main" xmlns:r="http://schemas.openxmlformats.org/officeDocument/2006/relationships" xmlns:p="http://schemas.openxmlformats.org/presentationml/2006/main" show="0">
   <p:cSld>
     <p:spTree>
       <p:nvGrpSpPr>
@@ -21461,8 +21567,8 @@
 </p:sld>
 </file>
 
-<file path=ppt/slides/slide11.xml><?xml version="1.0" encoding="utf-8"?>
-<p:sld xmlns:a="http://schemas.openxmlformats.org/drawingml/2006/main" xmlns:r="http://schemas.openxmlformats.org/officeDocument/2006/relationships" xmlns:p="http://schemas.openxmlformats.org/presentationml/2006/main">
+<file path=ppt/slides/slide12.xml><?xml version="1.0" encoding="utf-8"?>
+<p:sld xmlns:a="http://schemas.openxmlformats.org/drawingml/2006/main" xmlns:r="http://schemas.openxmlformats.org/officeDocument/2006/relationships" xmlns:p="http://schemas.openxmlformats.org/presentationml/2006/main" show="0">
   <p:cSld>
     <p:spTree>
       <p:nvGrpSpPr>
@@ -21545,7 +21651,7 @@
 </p:sld>
 </file>
 
-<file path=ppt/slides/slide12.xml><?xml version="1.0" encoding="utf-8"?>
+<file path=ppt/slides/slide13.xml><?xml version="1.0" encoding="utf-8"?>
 <p:sld xmlns:a="http://schemas.openxmlformats.org/drawingml/2006/main" xmlns:r="http://schemas.openxmlformats.org/officeDocument/2006/relationships" xmlns:p="http://schemas.openxmlformats.org/presentationml/2006/main">
   <p:cSld>
     <p:spTree>
@@ -21659,7 +21765,7 @@
 </p:sld>
 </file>
 
-<file path=ppt/slides/slide13.xml><?xml version="1.0" encoding="utf-8"?>
+<file path=ppt/slides/slide14.xml><?xml version="1.0" encoding="utf-8"?>
 <p:sld xmlns:a="http://schemas.openxmlformats.org/drawingml/2006/main" xmlns:r="http://schemas.openxmlformats.org/officeDocument/2006/relationships" xmlns:p="http://schemas.openxmlformats.org/presentationml/2006/main">
   <p:cSld>
     <p:spTree>
@@ -21769,7 +21875,7 @@
 </p:sld>
 </file>
 
-<file path=ppt/slides/slide14.xml><?xml version="1.0" encoding="utf-8"?>
+<file path=ppt/slides/slide15.xml><?xml version="1.0" encoding="utf-8"?>
 <p:sld xmlns:a="http://schemas.openxmlformats.org/drawingml/2006/main" xmlns:r="http://schemas.openxmlformats.org/officeDocument/2006/relationships" xmlns:p="http://schemas.openxmlformats.org/presentationml/2006/main">
   <p:cSld>
     <p:spTree>
@@ -21879,7 +21985,7 @@
 </p:sld>
 </file>
 
-<file path=ppt/slides/slide15.xml><?xml version="1.0" encoding="utf-8"?>
+<file path=ppt/slides/slide16.xml><?xml version="1.0" encoding="utf-8"?>
 <p:sld xmlns:a="http://schemas.openxmlformats.org/drawingml/2006/main" xmlns:r="http://schemas.openxmlformats.org/officeDocument/2006/relationships" xmlns:p="http://schemas.openxmlformats.org/presentationml/2006/main">
   <p:cSld>
     <p:spTree>
@@ -21989,7 +22095,7 @@
 </p:sld>
 </file>
 
-<file path=ppt/slides/slide16.xml><?xml version="1.0" encoding="utf-8"?>
+<file path=ppt/slides/slide17.xml><?xml version="1.0" encoding="utf-8"?>
 <p:sld xmlns:a="http://schemas.openxmlformats.org/drawingml/2006/main" xmlns:r="http://schemas.openxmlformats.org/officeDocument/2006/relationships" xmlns:p="http://schemas.openxmlformats.org/presentationml/2006/main">
   <p:cSld>
     <p:spTree>
@@ -22083,7 +22189,7 @@
 </p:sld>
 </file>
 
-<file path=ppt/slides/slide17.xml><?xml version="1.0" encoding="utf-8"?>
+<file path=ppt/slides/slide18.xml><?xml version="1.0" encoding="utf-8"?>
 <p:sld xmlns:a="http://schemas.openxmlformats.org/drawingml/2006/main" xmlns:r="http://schemas.openxmlformats.org/officeDocument/2006/relationships" xmlns:p="http://schemas.openxmlformats.org/presentationml/2006/main">
   <p:cSld>
     <p:spTree>
@@ -22244,7 +22350,7 @@
 </p:sld>
 </file>
 
-<file path=ppt/slides/slide18.xml><?xml version="1.0" encoding="utf-8"?>
+<file path=ppt/slides/slide19.xml><?xml version="1.0" encoding="utf-8"?>
 <p:sld xmlns:a="http://schemas.openxmlformats.org/drawingml/2006/main" xmlns:r="http://schemas.openxmlformats.org/officeDocument/2006/relationships" xmlns:p="http://schemas.openxmlformats.org/presentationml/2006/main">
   <p:cSld>
     <p:spTree>
@@ -22437,7 +22543,134 @@
 </p:sld>
 </file>
 
-<file path=ppt/slides/slide19.xml><?xml version="1.0" encoding="utf-8"?>
+<file path=ppt/slides/slide2.xml><?xml version="1.0" encoding="utf-8"?>
+<p:sld xmlns:a="http://schemas.openxmlformats.org/drawingml/2006/main" xmlns:r="http://schemas.openxmlformats.org/officeDocument/2006/relationships" xmlns:p="http://schemas.openxmlformats.org/presentationml/2006/main">
+  <p:cSld>
+    <p:spTree>
+      <p:nvGrpSpPr>
+        <p:cNvPr id="1" name=""/>
+        <p:cNvGrpSpPr/>
+        <p:nvPr/>
+      </p:nvGrpSpPr>
+      <p:grpSpPr>
+        <a:xfrm>
+          <a:off x="0" y="0"/>
+          <a:ext cx="0" cy="0"/>
+          <a:chOff x="0" y="0"/>
+          <a:chExt cx="0" cy="0"/>
+        </a:xfrm>
+      </p:grpSpPr>
+      <p:sp>
+        <p:nvSpPr>
+          <p:cNvPr id="2" name="Title 1">
+            <a:extLst>
+              <a:ext uri="{FF2B5EF4-FFF2-40B4-BE49-F238E27FC236}">
+                <a16:creationId xmlns:a16="http://schemas.microsoft.com/office/drawing/2014/main" id="{0D01E085-B3D8-2EAE-65B5-EC0B43B85DB0}"/>
+              </a:ext>
+            </a:extLst>
+          </p:cNvPr>
+          <p:cNvSpPr>
+            <a:spLocks noGrp="1"/>
+          </p:cNvSpPr>
+          <p:nvPr>
+            <p:ph type="title"/>
+          </p:nvPr>
+        </p:nvSpPr>
+        <p:spPr/>
+        <p:txBody>
+          <a:bodyPr/>
+          <a:lstStyle/>
+          <a:p>
+            <a:endParaRPr lang="en-NL"/>
+          </a:p>
+        </p:txBody>
+      </p:sp>
+      <p:sp>
+        <p:nvSpPr>
+          <p:cNvPr id="3" name="Content Placeholder 2">
+            <a:extLst>
+              <a:ext uri="{FF2B5EF4-FFF2-40B4-BE49-F238E27FC236}">
+                <a16:creationId xmlns:a16="http://schemas.microsoft.com/office/drawing/2014/main" id="{920044A0-C965-6F4C-FCC7-E094FC188318}"/>
+              </a:ext>
+            </a:extLst>
+          </p:cNvPr>
+          <p:cNvSpPr>
+            <a:spLocks noGrp="1"/>
+          </p:cNvSpPr>
+          <p:nvPr>
+            <p:ph idx="1"/>
+          </p:nvPr>
+        </p:nvSpPr>
+        <p:spPr/>
+        <p:txBody>
+          <a:bodyPr/>
+          <a:lstStyle/>
+          <a:p>
+            <a:endParaRPr lang="en-NL"/>
+          </a:p>
+        </p:txBody>
+      </p:sp>
+      <p:pic>
+        <p:nvPicPr>
+          <p:cNvPr id="3074" name="Picture 2" descr="Encapsulated Collections in Entity Framework Core | Blog">
+            <a:extLst>
+              <a:ext uri="{FF2B5EF4-FFF2-40B4-BE49-F238E27FC236}">
+                <a16:creationId xmlns:a16="http://schemas.microsoft.com/office/drawing/2014/main" id="{0CDE455A-EF38-4C21-7BA2-F664BFF5BA83}"/>
+              </a:ext>
+            </a:extLst>
+          </p:cNvPr>
+          <p:cNvPicPr>
+            <a:picLocks noChangeAspect="1" noChangeArrowheads="1"/>
+          </p:cNvPicPr>
+          <p:nvPr/>
+        </p:nvPicPr>
+        <p:blipFill>
+          <a:blip r:embed="rId2">
+            <a:extLst>
+              <a:ext uri="{28A0092B-C50C-407E-A947-70E740481C1C}">
+                <a14:useLocalDpi xmlns:a14="http://schemas.microsoft.com/office/drawing/2010/main" val="0"/>
+              </a:ext>
+            </a:extLst>
+          </a:blip>
+          <a:srcRect/>
+          <a:stretch>
+            <a:fillRect/>
+          </a:stretch>
+        </p:blipFill>
+        <p:spPr bwMode="auto">
+          <a:xfrm>
+            <a:off x="3281363" y="1714500"/>
+            <a:ext cx="5629275" cy="3429000"/>
+          </a:xfrm>
+          <a:prstGeom prst="rect">
+            <a:avLst/>
+          </a:prstGeom>
+          <a:noFill/>
+          <a:extLst>
+            <a:ext uri="{909E8E84-426E-40DD-AFC4-6F175D3DCCD1}">
+              <a14:hiddenFill xmlns:a14="http://schemas.microsoft.com/office/drawing/2010/main">
+                <a:solidFill>
+                  <a:srgbClr val="FFFFFF"/>
+                </a:solidFill>
+              </a14:hiddenFill>
+            </a:ext>
+          </a:extLst>
+        </p:spPr>
+      </p:pic>
+    </p:spTree>
+    <p:extLst>
+      <p:ext uri="{BB962C8B-B14F-4D97-AF65-F5344CB8AC3E}">
+        <p14:creationId xmlns:p14="http://schemas.microsoft.com/office/powerpoint/2010/main" val="593731170"/>
+      </p:ext>
+    </p:extLst>
+  </p:cSld>
+  <p:clrMapOvr>
+    <a:masterClrMapping/>
+  </p:clrMapOvr>
+</p:sld>
+</file>
+
+<file path=ppt/slides/slide20.xml><?xml version="1.0" encoding="utf-8"?>
 <p:sld xmlns:a="http://schemas.openxmlformats.org/drawingml/2006/main" xmlns:r="http://schemas.openxmlformats.org/officeDocument/2006/relationships" xmlns:p="http://schemas.openxmlformats.org/presentationml/2006/main">
   <p:cSld>
     <p:spTree>
@@ -22546,115 +22779,7 @@
 </p:sld>
 </file>
 
-<file path=ppt/slides/slide2.xml><?xml version="1.0" encoding="utf-8"?>
-<p:sld xmlns:a="http://schemas.openxmlformats.org/drawingml/2006/main" xmlns:r="http://schemas.openxmlformats.org/officeDocument/2006/relationships" xmlns:p="http://schemas.openxmlformats.org/presentationml/2006/main">
-  <p:cSld>
-    <p:spTree>
-      <p:nvGrpSpPr>
-        <p:cNvPr id="1" name=""/>
-        <p:cNvGrpSpPr/>
-        <p:nvPr/>
-      </p:nvGrpSpPr>
-      <p:grpSpPr>
-        <a:xfrm>
-          <a:off x="0" y="0"/>
-          <a:ext cx="0" cy="0"/>
-          <a:chOff x="0" y="0"/>
-          <a:chExt cx="0" cy="0"/>
-        </a:xfrm>
-      </p:grpSpPr>
-      <p:sp>
-        <p:nvSpPr>
-          <p:cNvPr id="2" name="Title 1">
-            <a:extLst>
-              <a:ext uri="{FF2B5EF4-FFF2-40B4-BE49-F238E27FC236}">
-                <a16:creationId xmlns:a16="http://schemas.microsoft.com/office/drawing/2014/main" id="{E2B4A8FE-430B-219B-5074-C517BE4C57D9}"/>
-              </a:ext>
-            </a:extLst>
-          </p:cNvPr>
-          <p:cNvSpPr>
-            <a:spLocks noGrp="1"/>
-          </p:cNvSpPr>
-          <p:nvPr>
-            <p:ph type="title"/>
-          </p:nvPr>
-        </p:nvSpPr>
-        <p:spPr/>
-        <p:txBody>
-          <a:bodyPr/>
-          <a:lstStyle/>
-          <a:p>
-            <a:r>
-              <a:rPr lang="nl-NL" dirty="0"/>
-              <a:t>Entity Framework Core</a:t>
-            </a:r>
-            <a:endParaRPr lang="en-NL" dirty="0"/>
-          </a:p>
-        </p:txBody>
-      </p:sp>
-      <p:sp>
-        <p:nvSpPr>
-          <p:cNvPr id="3" name="Content Placeholder 2">
-            <a:extLst>
-              <a:ext uri="{FF2B5EF4-FFF2-40B4-BE49-F238E27FC236}">
-                <a16:creationId xmlns:a16="http://schemas.microsoft.com/office/drawing/2014/main" id="{15DF1F4A-7FF4-A8B8-8166-A33713FCE1B4}"/>
-              </a:ext>
-            </a:extLst>
-          </p:cNvPr>
-          <p:cNvSpPr>
-            <a:spLocks noGrp="1"/>
-          </p:cNvSpPr>
-          <p:nvPr>
-            <p:ph idx="1"/>
-          </p:nvPr>
-        </p:nvSpPr>
-        <p:spPr/>
-        <p:txBody>
-          <a:bodyPr/>
-          <a:lstStyle/>
-          <a:p>
-            <a:r>
-              <a:rPr lang="en-US" dirty="0"/>
-              <a:t>Entity Framework (EF) Core is a lightweight, extensible, open source and cross-platform version of the popular Entity Framework data access technology.</a:t>
-            </a:r>
-          </a:p>
-          <a:p>
-            <a:pPr lvl="1"/>
-            <a:r>
-              <a:rPr lang="en-US" dirty="0"/>
-              <a:t>EF Core can serve as an object-relational mapper (O/RM), which:</a:t>
-            </a:r>
-          </a:p>
-          <a:p>
-            <a:pPr lvl="1"/>
-            <a:r>
-              <a:rPr lang="en-US" dirty="0"/>
-              <a:t>Enables .NET developers to work with a database using .NET objects.</a:t>
-            </a:r>
-          </a:p>
-          <a:p>
-            <a:r>
-              <a:rPr lang="en-US" dirty="0"/>
-              <a:t>Eliminates the need for most of the data-access code that typically needs to be written.</a:t>
-            </a:r>
-            <a:endParaRPr lang="en-NL" dirty="0"/>
-          </a:p>
-        </p:txBody>
-      </p:sp>
-    </p:spTree>
-    <p:extLst>
-      <p:ext uri="{BB962C8B-B14F-4D97-AF65-F5344CB8AC3E}">
-        <p14:creationId xmlns:p14="http://schemas.microsoft.com/office/powerpoint/2010/main" val="3208385530"/>
-      </p:ext>
-    </p:extLst>
-  </p:cSld>
-  <p:clrMapOvr>
-    <a:masterClrMapping/>
-  </p:clrMapOvr>
-</p:sld>
-</file>
-
-<file path=ppt/slides/slide20.xml><?xml version="1.0" encoding="utf-8"?>
+<file path=ppt/slides/slide21.xml><?xml version="1.0" encoding="utf-8"?>
 <p:sld xmlns:a="http://schemas.openxmlformats.org/drawingml/2006/main" xmlns:r="http://schemas.openxmlformats.org/officeDocument/2006/relationships" xmlns:p="http://schemas.openxmlformats.org/presentationml/2006/main">
   <p:cSld>
     <p:spTree>
@@ -22764,7 +22889,7 @@
 </p:sld>
 </file>
 
-<file path=ppt/slides/slide21.xml><?xml version="1.0" encoding="utf-8"?>
+<file path=ppt/slides/slide22.xml><?xml version="1.0" encoding="utf-8"?>
 <p:sld xmlns:a="http://schemas.openxmlformats.org/drawingml/2006/main" xmlns:r="http://schemas.openxmlformats.org/officeDocument/2006/relationships" xmlns:p="http://schemas.openxmlformats.org/presentationml/2006/main">
   <p:cSld>
     <p:spTree>
@@ -22872,7 +22997,7 @@
 </p:sld>
 </file>
 
-<file path=ppt/slides/slide22.xml><?xml version="1.0" encoding="utf-8"?>
+<file path=ppt/slides/slide23.xml><?xml version="1.0" encoding="utf-8"?>
 <p:sld xmlns:a="http://schemas.openxmlformats.org/drawingml/2006/main" xmlns:r="http://schemas.openxmlformats.org/officeDocument/2006/relationships" xmlns:p="http://schemas.openxmlformats.org/presentationml/2006/main">
   <p:cSld>
     <p:spTree>
@@ -22995,7 +23120,7 @@
 </p:sld>
 </file>
 
-<file path=ppt/slides/slide23.xml><?xml version="1.0" encoding="utf-8"?>
+<file path=ppt/slides/slide24.xml><?xml version="1.0" encoding="utf-8"?>
 <p:sld xmlns:a="http://schemas.openxmlformats.org/drawingml/2006/main" xmlns:r="http://schemas.openxmlformats.org/officeDocument/2006/relationships" xmlns:p="http://schemas.openxmlformats.org/presentationml/2006/main">
   <p:cSld>
     <p:spTree>
@@ -23118,7 +23243,7 @@
 </p:sld>
 </file>
 
-<file path=ppt/slides/slide24.xml><?xml version="1.0" encoding="utf-8"?>
+<file path=ppt/slides/slide25.xml><?xml version="1.0" encoding="utf-8"?>
 <p:sld xmlns:a="http://schemas.openxmlformats.org/drawingml/2006/main" xmlns:r="http://schemas.openxmlformats.org/officeDocument/2006/relationships" xmlns:p="http://schemas.openxmlformats.org/presentationml/2006/main">
   <p:cSld>
     <p:spTree>
@@ -23246,7 +23371,7 @@
 </p:sld>
 </file>
 
-<file path=ppt/slides/slide25.xml><?xml version="1.0" encoding="utf-8"?>
+<file path=ppt/slides/slide26.xml><?xml version="1.0" encoding="utf-8"?>
 <p:sld xmlns:a="http://schemas.openxmlformats.org/drawingml/2006/main" xmlns:r="http://schemas.openxmlformats.org/officeDocument/2006/relationships" xmlns:p="http://schemas.openxmlformats.org/presentationml/2006/main">
   <p:cSld>
     <p:spTree>
@@ -23369,7 +23494,7 @@
 </p:sld>
 </file>
 
-<file path=ppt/slides/slide26.xml><?xml version="1.0" encoding="utf-8"?>
+<file path=ppt/slides/slide27.xml><?xml version="1.0" encoding="utf-8"?>
 <p:sld xmlns:a="http://schemas.openxmlformats.org/drawingml/2006/main" xmlns:r="http://schemas.openxmlformats.org/officeDocument/2006/relationships" xmlns:p="http://schemas.openxmlformats.org/presentationml/2006/main">
   <p:cSld>
     <p:spTree>
@@ -23505,7 +23630,7 @@
 </p:sld>
 </file>
 
-<file path=ppt/slides/slide27.xml><?xml version="1.0" encoding="utf-8"?>
+<file path=ppt/slides/slide28.xml><?xml version="1.0" encoding="utf-8"?>
 <p:sld xmlns:a="http://schemas.openxmlformats.org/drawingml/2006/main" xmlns:r="http://schemas.openxmlformats.org/officeDocument/2006/relationships" xmlns:p="http://schemas.openxmlformats.org/presentationml/2006/main">
   <p:cSld>
     <p:spTree>
@@ -23638,7 +23763,7 @@
 </p:sld>
 </file>
 
-<file path=ppt/slides/slide28.xml><?xml version="1.0" encoding="utf-8"?>
+<file path=ppt/slides/slide29.xml><?xml version="1.0" encoding="utf-8"?>
 <p:sld xmlns:a="http://schemas.openxmlformats.org/drawingml/2006/main" xmlns:r="http://schemas.openxmlformats.org/officeDocument/2006/relationships" xmlns:p="http://schemas.openxmlformats.org/presentationml/2006/main">
   <p:cSld>
     <p:spTree>
@@ -23752,7 +23877,115 @@
 </p:sld>
 </file>
 
-<file path=ppt/slides/slide29.xml><?xml version="1.0" encoding="utf-8"?>
+<file path=ppt/slides/slide3.xml><?xml version="1.0" encoding="utf-8"?>
+<p:sld xmlns:a="http://schemas.openxmlformats.org/drawingml/2006/main" xmlns:r="http://schemas.openxmlformats.org/officeDocument/2006/relationships" xmlns:p="http://schemas.openxmlformats.org/presentationml/2006/main">
+  <p:cSld>
+    <p:spTree>
+      <p:nvGrpSpPr>
+        <p:cNvPr id="1" name=""/>
+        <p:cNvGrpSpPr/>
+        <p:nvPr/>
+      </p:nvGrpSpPr>
+      <p:grpSpPr>
+        <a:xfrm>
+          <a:off x="0" y="0"/>
+          <a:ext cx="0" cy="0"/>
+          <a:chOff x="0" y="0"/>
+          <a:chExt cx="0" cy="0"/>
+        </a:xfrm>
+      </p:grpSpPr>
+      <p:sp>
+        <p:nvSpPr>
+          <p:cNvPr id="2" name="Title 1">
+            <a:extLst>
+              <a:ext uri="{FF2B5EF4-FFF2-40B4-BE49-F238E27FC236}">
+                <a16:creationId xmlns:a16="http://schemas.microsoft.com/office/drawing/2014/main" id="{E2B4A8FE-430B-219B-5074-C517BE4C57D9}"/>
+              </a:ext>
+            </a:extLst>
+          </p:cNvPr>
+          <p:cNvSpPr>
+            <a:spLocks noGrp="1"/>
+          </p:cNvSpPr>
+          <p:nvPr>
+            <p:ph type="title"/>
+          </p:nvPr>
+        </p:nvSpPr>
+        <p:spPr/>
+        <p:txBody>
+          <a:bodyPr/>
+          <a:lstStyle/>
+          <a:p>
+            <a:r>
+              <a:rPr lang="nl-NL" dirty="0"/>
+              <a:t>Entity Framework Core</a:t>
+            </a:r>
+            <a:endParaRPr lang="en-NL" dirty="0"/>
+          </a:p>
+        </p:txBody>
+      </p:sp>
+      <p:sp>
+        <p:nvSpPr>
+          <p:cNvPr id="3" name="Content Placeholder 2">
+            <a:extLst>
+              <a:ext uri="{FF2B5EF4-FFF2-40B4-BE49-F238E27FC236}">
+                <a16:creationId xmlns:a16="http://schemas.microsoft.com/office/drawing/2014/main" id="{15DF1F4A-7FF4-A8B8-8166-A33713FCE1B4}"/>
+              </a:ext>
+            </a:extLst>
+          </p:cNvPr>
+          <p:cNvSpPr>
+            <a:spLocks noGrp="1"/>
+          </p:cNvSpPr>
+          <p:nvPr>
+            <p:ph idx="1"/>
+          </p:nvPr>
+        </p:nvSpPr>
+        <p:spPr/>
+        <p:txBody>
+          <a:bodyPr/>
+          <a:lstStyle/>
+          <a:p>
+            <a:r>
+              <a:rPr lang="en-US" dirty="0"/>
+              <a:t>Entity Framework (EF) Core is a lightweight, extensible, open source and cross-platform version of the popular Entity Framework data access technology.</a:t>
+            </a:r>
+          </a:p>
+          <a:p>
+            <a:pPr lvl="1"/>
+            <a:r>
+              <a:rPr lang="en-US" dirty="0"/>
+              <a:t>EF Core can serve as an object-relational mapper (O/RM), which:</a:t>
+            </a:r>
+          </a:p>
+          <a:p>
+            <a:pPr lvl="1"/>
+            <a:r>
+              <a:rPr lang="en-US" dirty="0"/>
+              <a:t>Enables .NET developers to work with a database using .NET objects.</a:t>
+            </a:r>
+          </a:p>
+          <a:p>
+            <a:r>
+              <a:rPr lang="en-US" dirty="0"/>
+              <a:t>Eliminates the need for most of the data-access code that typically needs to be written.</a:t>
+            </a:r>
+            <a:endParaRPr lang="en-NL" dirty="0"/>
+          </a:p>
+        </p:txBody>
+      </p:sp>
+    </p:spTree>
+    <p:extLst>
+      <p:ext uri="{BB962C8B-B14F-4D97-AF65-F5344CB8AC3E}">
+        <p14:creationId xmlns:p14="http://schemas.microsoft.com/office/powerpoint/2010/main" val="3208385530"/>
+      </p:ext>
+    </p:extLst>
+  </p:cSld>
+  <p:clrMapOvr>
+    <a:masterClrMapping/>
+  </p:clrMapOvr>
+</p:sld>
+</file>
+
+<file path=ppt/slides/slide30.xml><?xml version="1.0" encoding="utf-8"?>
 <p:sld xmlns:a="http://schemas.openxmlformats.org/drawingml/2006/main" xmlns:r="http://schemas.openxmlformats.org/officeDocument/2006/relationships" xmlns:p="http://schemas.openxmlformats.org/presentationml/2006/main">
   <p:cSld>
     <p:spTree>
@@ -23894,124 +24127,7 @@
 </p:sld>
 </file>
 
-<file path=ppt/slides/slide3.xml><?xml version="1.0" encoding="utf-8"?>
-<p:sld xmlns:a="http://schemas.openxmlformats.org/drawingml/2006/main" xmlns:r="http://schemas.openxmlformats.org/officeDocument/2006/relationships" xmlns:p="http://schemas.openxmlformats.org/presentationml/2006/main">
-  <p:cSld>
-    <p:spTree>
-      <p:nvGrpSpPr>
-        <p:cNvPr id="1" name=""/>
-        <p:cNvGrpSpPr/>
-        <p:nvPr/>
-      </p:nvGrpSpPr>
-      <p:grpSpPr>
-        <a:xfrm>
-          <a:off x="0" y="0"/>
-          <a:ext cx="0" cy="0"/>
-          <a:chOff x="0" y="0"/>
-          <a:chExt cx="0" cy="0"/>
-        </a:xfrm>
-      </p:grpSpPr>
-      <p:sp>
-        <p:nvSpPr>
-          <p:cNvPr id="2" name="Title 1">
-            <a:extLst>
-              <a:ext uri="{FF2B5EF4-FFF2-40B4-BE49-F238E27FC236}">
-                <a16:creationId xmlns:a16="http://schemas.microsoft.com/office/drawing/2014/main" id="{767E53A2-0CD2-8478-E68C-BE6F73BCA32D}"/>
-              </a:ext>
-            </a:extLst>
-          </p:cNvPr>
-          <p:cNvSpPr>
-            <a:spLocks noGrp="1"/>
-          </p:cNvSpPr>
-          <p:nvPr>
-            <p:ph type="title"/>
-          </p:nvPr>
-        </p:nvSpPr>
-        <p:spPr/>
-        <p:txBody>
-          <a:bodyPr/>
-          <a:lstStyle/>
-          <a:p>
-            <a:r>
-              <a:rPr lang="nl-NL" dirty="0"/>
-              <a:t>The model</a:t>
-            </a:r>
-            <a:endParaRPr lang="en-NL" dirty="0"/>
-          </a:p>
-        </p:txBody>
-      </p:sp>
-      <p:sp>
-        <p:nvSpPr>
-          <p:cNvPr id="3" name="Content Placeholder 2">
-            <a:extLst>
-              <a:ext uri="{FF2B5EF4-FFF2-40B4-BE49-F238E27FC236}">
-                <a16:creationId xmlns:a16="http://schemas.microsoft.com/office/drawing/2014/main" id="{9969C054-7D18-9FCD-5592-AA528F9477AC}"/>
-              </a:ext>
-            </a:extLst>
-          </p:cNvPr>
-          <p:cNvSpPr>
-            <a:spLocks noGrp="1"/>
-          </p:cNvSpPr>
-          <p:nvPr>
-            <p:ph idx="1"/>
-          </p:nvPr>
-        </p:nvSpPr>
-        <p:spPr/>
-        <p:txBody>
-          <a:bodyPr>
-            <a:normAutofit/>
-          </a:bodyPr>
-          <a:lstStyle/>
-          <a:p>
-            <a:r>
-              <a:rPr lang="en-US" dirty="0"/>
-              <a:t>With EF Core, data access is performed using a model. A model is made up of entity classes and a context object that represents a session with the database. The context object allows querying and saving data. For more information, see Creating a Model.</a:t>
-            </a:r>
-          </a:p>
-          <a:p>
-            <a:r>
-              <a:rPr lang="en-US" dirty="0"/>
-              <a:t>EF supports the following model development approaches:</a:t>
-            </a:r>
-          </a:p>
-          <a:p>
-            <a:pPr lvl="1"/>
-            <a:r>
-              <a:rPr lang="en-US" dirty="0"/>
-              <a:t>Generate a model from an existing database.</a:t>
-            </a:r>
-          </a:p>
-          <a:p>
-            <a:pPr lvl="1"/>
-            <a:r>
-              <a:rPr lang="en-US" dirty="0"/>
-              <a:t>Hand code a model to match the database.</a:t>
-            </a:r>
-          </a:p>
-          <a:p>
-            <a:pPr lvl="1"/>
-            <a:r>
-              <a:rPr lang="en-US" dirty="0"/>
-              <a:t>Once a model is created, use EF Migrations to create a database from the model. Migrations allow evolving the database as the model changes.</a:t>
-            </a:r>
-            <a:endParaRPr lang="en-NL" dirty="0"/>
-          </a:p>
-        </p:txBody>
-      </p:sp>
-    </p:spTree>
-    <p:extLst>
-      <p:ext uri="{BB962C8B-B14F-4D97-AF65-F5344CB8AC3E}">
-        <p14:creationId xmlns:p14="http://schemas.microsoft.com/office/powerpoint/2010/main" val="4138912545"/>
-      </p:ext>
-    </p:extLst>
-  </p:cSld>
-  <p:clrMapOvr>
-    <a:masterClrMapping/>
-  </p:clrMapOvr>
-</p:sld>
-</file>
-
-<file path=ppt/slides/slide30.xml><?xml version="1.0" encoding="utf-8"?>
+<file path=ppt/slides/slide31.xml><?xml version="1.0" encoding="utf-8"?>
 <p:sld xmlns:a="http://schemas.openxmlformats.org/drawingml/2006/main" xmlns:r="http://schemas.openxmlformats.org/officeDocument/2006/relationships" xmlns:p="http://schemas.openxmlformats.org/presentationml/2006/main">
   <p:cSld>
     <p:spTree>
@@ -24127,7 +24243,7 @@
 </p:sld>
 </file>
 
-<file path=ppt/slides/slide31.xml><?xml version="1.0" encoding="utf-8"?>
+<file path=ppt/slides/slide32.xml><?xml version="1.0" encoding="utf-8"?>
 <p:sld xmlns:a="http://schemas.openxmlformats.org/drawingml/2006/main" xmlns:r="http://schemas.openxmlformats.org/officeDocument/2006/relationships" xmlns:p="http://schemas.openxmlformats.org/presentationml/2006/main">
   <p:cSld>
     <p:spTree>
@@ -24251,7 +24367,7 @@
 </p:sld>
 </file>
 
-<file path=ppt/slides/slide32.xml><?xml version="1.0" encoding="utf-8"?>
+<file path=ppt/slides/slide33.xml><?xml version="1.0" encoding="utf-8"?>
 <p:sld xmlns:a="http://schemas.openxmlformats.org/drawingml/2006/main" xmlns:r="http://schemas.openxmlformats.org/officeDocument/2006/relationships" xmlns:p="http://schemas.openxmlformats.org/presentationml/2006/main">
   <p:cSld>
     <p:spTree>
@@ -24414,7 +24530,7 @@
 </p:sld>
 </file>
 
-<file path=ppt/slides/slide33.xml><?xml version="1.0" encoding="utf-8"?>
+<file path=ppt/slides/slide34.xml><?xml version="1.0" encoding="utf-8"?>
 <p:sld xmlns:a="http://schemas.openxmlformats.org/drawingml/2006/main" xmlns:r="http://schemas.openxmlformats.org/officeDocument/2006/relationships" xmlns:p="http://schemas.openxmlformats.org/presentationml/2006/main">
   <p:cSld>
     <p:spTree>
@@ -24573,7 +24689,7 @@
 </p:sld>
 </file>
 
-<file path=ppt/slides/slide34.xml><?xml version="1.0" encoding="utf-8"?>
+<file path=ppt/slides/slide35.xml><?xml version="1.0" encoding="utf-8"?>
 <p:sld xmlns:a="http://schemas.openxmlformats.org/drawingml/2006/main" xmlns:r="http://schemas.openxmlformats.org/officeDocument/2006/relationships" xmlns:p="http://schemas.openxmlformats.org/presentationml/2006/main">
   <p:cSld>
     <p:spTree>
@@ -24729,7 +24845,7 @@
 </p:sld>
 </file>
 
-<file path=ppt/slides/slide35.xml><?xml version="1.0" encoding="utf-8"?>
+<file path=ppt/slides/slide36.xml><?xml version="1.0" encoding="utf-8"?>
 <p:sld xmlns:a="http://schemas.openxmlformats.org/drawingml/2006/main" xmlns:r="http://schemas.openxmlformats.org/officeDocument/2006/relationships" xmlns:p="http://schemas.openxmlformats.org/presentationml/2006/main">
   <p:cSld>
     <p:spTree>
@@ -24852,7 +24968,7 @@
 </p:sld>
 </file>
 
-<file path=ppt/slides/slide36.xml><?xml version="1.0" encoding="utf-8"?>
+<file path=ppt/slides/slide37.xml><?xml version="1.0" encoding="utf-8"?>
 <p:sld xmlns:a="http://schemas.openxmlformats.org/drawingml/2006/main" xmlns:r="http://schemas.openxmlformats.org/officeDocument/2006/relationships" xmlns:p="http://schemas.openxmlformats.org/presentationml/2006/main">
   <p:cSld>
     <p:spTree>
@@ -25039,7 +25155,7 @@
 </p:sld>
 </file>
 
-<file path=ppt/slides/slide37.xml><?xml version="1.0" encoding="utf-8"?>
+<file path=ppt/slides/slide38.xml><?xml version="1.0" encoding="utf-8"?>
 <p:sld xmlns:a="http://schemas.openxmlformats.org/drawingml/2006/main" xmlns:r="http://schemas.openxmlformats.org/officeDocument/2006/relationships" xmlns:p="http://schemas.openxmlformats.org/presentationml/2006/main">
   <p:cSld>
     <p:spTree>
@@ -25195,7 +25311,7 @@
 </p:sld>
 </file>
 
-<file path=ppt/slides/slide38.xml><?xml version="1.0" encoding="utf-8"?>
+<file path=ppt/slides/slide39.xml><?xml version="1.0" encoding="utf-8"?>
 <p:sld xmlns:a="http://schemas.openxmlformats.org/drawingml/2006/main" xmlns:r="http://schemas.openxmlformats.org/officeDocument/2006/relationships" xmlns:p="http://schemas.openxmlformats.org/presentationml/2006/main">
   <p:cSld>
     <p:spTree>
@@ -25335,7 +25451,124 @@
 </p:sld>
 </file>
 
-<file path=ppt/slides/slide39.xml><?xml version="1.0" encoding="utf-8"?>
+<file path=ppt/slides/slide4.xml><?xml version="1.0" encoding="utf-8"?>
+<p:sld xmlns:a="http://schemas.openxmlformats.org/drawingml/2006/main" xmlns:r="http://schemas.openxmlformats.org/officeDocument/2006/relationships" xmlns:p="http://schemas.openxmlformats.org/presentationml/2006/main">
+  <p:cSld>
+    <p:spTree>
+      <p:nvGrpSpPr>
+        <p:cNvPr id="1" name=""/>
+        <p:cNvGrpSpPr/>
+        <p:nvPr/>
+      </p:nvGrpSpPr>
+      <p:grpSpPr>
+        <a:xfrm>
+          <a:off x="0" y="0"/>
+          <a:ext cx="0" cy="0"/>
+          <a:chOff x="0" y="0"/>
+          <a:chExt cx="0" cy="0"/>
+        </a:xfrm>
+      </p:grpSpPr>
+      <p:sp>
+        <p:nvSpPr>
+          <p:cNvPr id="2" name="Title 1">
+            <a:extLst>
+              <a:ext uri="{FF2B5EF4-FFF2-40B4-BE49-F238E27FC236}">
+                <a16:creationId xmlns:a16="http://schemas.microsoft.com/office/drawing/2014/main" id="{767E53A2-0CD2-8478-E68C-BE6F73BCA32D}"/>
+              </a:ext>
+            </a:extLst>
+          </p:cNvPr>
+          <p:cNvSpPr>
+            <a:spLocks noGrp="1"/>
+          </p:cNvSpPr>
+          <p:nvPr>
+            <p:ph type="title"/>
+          </p:nvPr>
+        </p:nvSpPr>
+        <p:spPr/>
+        <p:txBody>
+          <a:bodyPr/>
+          <a:lstStyle/>
+          <a:p>
+            <a:r>
+              <a:rPr lang="nl-NL" dirty="0"/>
+              <a:t>The model</a:t>
+            </a:r>
+            <a:endParaRPr lang="en-NL" dirty="0"/>
+          </a:p>
+        </p:txBody>
+      </p:sp>
+      <p:sp>
+        <p:nvSpPr>
+          <p:cNvPr id="3" name="Content Placeholder 2">
+            <a:extLst>
+              <a:ext uri="{FF2B5EF4-FFF2-40B4-BE49-F238E27FC236}">
+                <a16:creationId xmlns:a16="http://schemas.microsoft.com/office/drawing/2014/main" id="{9969C054-7D18-9FCD-5592-AA528F9477AC}"/>
+              </a:ext>
+            </a:extLst>
+          </p:cNvPr>
+          <p:cNvSpPr>
+            <a:spLocks noGrp="1"/>
+          </p:cNvSpPr>
+          <p:nvPr>
+            <p:ph idx="1"/>
+          </p:nvPr>
+        </p:nvSpPr>
+        <p:spPr/>
+        <p:txBody>
+          <a:bodyPr>
+            <a:normAutofit/>
+          </a:bodyPr>
+          <a:lstStyle/>
+          <a:p>
+            <a:r>
+              <a:rPr lang="en-US" dirty="0"/>
+              <a:t>With EF Core, data access is performed using a model. A model is made up of entity classes and a context object that represents a session with the database. The context object allows querying and saving data. For more information, see Creating a Model.</a:t>
+            </a:r>
+          </a:p>
+          <a:p>
+            <a:r>
+              <a:rPr lang="en-US" dirty="0"/>
+              <a:t>EF supports the following model development approaches:</a:t>
+            </a:r>
+          </a:p>
+          <a:p>
+            <a:pPr lvl="1"/>
+            <a:r>
+              <a:rPr lang="en-US" dirty="0"/>
+              <a:t>Generate a model from an existing database.</a:t>
+            </a:r>
+          </a:p>
+          <a:p>
+            <a:pPr lvl="1"/>
+            <a:r>
+              <a:rPr lang="en-US" dirty="0"/>
+              <a:t>Hand code a model to match the database.</a:t>
+            </a:r>
+          </a:p>
+          <a:p>
+            <a:pPr lvl="1"/>
+            <a:r>
+              <a:rPr lang="en-US" dirty="0"/>
+              <a:t>Once a model is created, use EF Migrations to create a database from the model. Migrations allow evolving the database as the model changes.</a:t>
+            </a:r>
+            <a:endParaRPr lang="en-NL" dirty="0"/>
+          </a:p>
+        </p:txBody>
+      </p:sp>
+    </p:spTree>
+    <p:extLst>
+      <p:ext uri="{BB962C8B-B14F-4D97-AF65-F5344CB8AC3E}">
+        <p14:creationId xmlns:p14="http://schemas.microsoft.com/office/powerpoint/2010/main" val="4138912545"/>
+      </p:ext>
+    </p:extLst>
+  </p:cSld>
+  <p:clrMapOvr>
+    <a:masterClrMapping/>
+  </p:clrMapOvr>
+</p:sld>
+</file>
+
+<file path=ppt/slides/slide40.xml><?xml version="1.0" encoding="utf-8"?>
 <p:sld xmlns:a="http://schemas.openxmlformats.org/drawingml/2006/main" xmlns:r="http://schemas.openxmlformats.org/officeDocument/2006/relationships" xmlns:p="http://schemas.openxmlformats.org/presentationml/2006/main">
   <p:cSld>
     <p:spTree>
@@ -25507,117 +25740,7 @@
 </p:sld>
 </file>
 
-<file path=ppt/slides/slide4.xml><?xml version="1.0" encoding="utf-8"?>
-<p:sld xmlns:a="http://schemas.openxmlformats.org/drawingml/2006/main" xmlns:r="http://schemas.openxmlformats.org/officeDocument/2006/relationships" xmlns:p="http://schemas.openxmlformats.org/presentationml/2006/main">
-  <p:cSld>
-    <p:spTree>
-      <p:nvGrpSpPr>
-        <p:cNvPr id="1" name=""/>
-        <p:cNvGrpSpPr/>
-        <p:nvPr/>
-      </p:nvGrpSpPr>
-      <p:grpSpPr>
-        <a:xfrm>
-          <a:off x="0" y="0"/>
-          <a:ext cx="0" cy="0"/>
-          <a:chOff x="0" y="0"/>
-          <a:chExt cx="0" cy="0"/>
-        </a:xfrm>
-      </p:grpSpPr>
-      <p:sp>
-        <p:nvSpPr>
-          <p:cNvPr id="2" name="Title 1">
-            <a:extLst>
-              <a:ext uri="{FF2B5EF4-FFF2-40B4-BE49-F238E27FC236}">
-                <a16:creationId xmlns:a16="http://schemas.microsoft.com/office/drawing/2014/main" id="{AEB07282-0C1D-0AB2-FBAF-2A23AB041991}"/>
-              </a:ext>
-            </a:extLst>
-          </p:cNvPr>
-          <p:cNvSpPr>
-            <a:spLocks noGrp="1"/>
-          </p:cNvSpPr>
-          <p:nvPr>
-            <p:ph type="title"/>
-          </p:nvPr>
-        </p:nvSpPr>
-        <p:spPr/>
-        <p:txBody>
-          <a:bodyPr/>
-          <a:lstStyle/>
-          <a:p>
-            <a:endParaRPr lang="en-NL"/>
-          </a:p>
-        </p:txBody>
-      </p:sp>
-      <p:sp>
-        <p:nvSpPr>
-          <p:cNvPr id="3" name="Content Placeholder 2">
-            <a:extLst>
-              <a:ext uri="{FF2B5EF4-FFF2-40B4-BE49-F238E27FC236}">
-                <a16:creationId xmlns:a16="http://schemas.microsoft.com/office/drawing/2014/main" id="{8C3D9CDD-AFBD-A870-988D-BF9B88D02D6B}"/>
-              </a:ext>
-            </a:extLst>
-          </p:cNvPr>
-          <p:cNvSpPr>
-            <a:spLocks noGrp="1"/>
-          </p:cNvSpPr>
-          <p:nvPr>
-            <p:ph idx="1"/>
-          </p:nvPr>
-        </p:nvSpPr>
-        <p:spPr/>
-        <p:txBody>
-          <a:bodyPr/>
-          <a:lstStyle/>
-          <a:p>
-            <a:endParaRPr lang="en-NL"/>
-          </a:p>
-        </p:txBody>
-      </p:sp>
-      <p:pic>
-        <p:nvPicPr>
-          <p:cNvPr id="5" name="Picture 4">
-            <a:extLst>
-              <a:ext uri="{FF2B5EF4-FFF2-40B4-BE49-F238E27FC236}">
-                <a16:creationId xmlns:a16="http://schemas.microsoft.com/office/drawing/2014/main" id="{ECE07FB2-D13F-53DE-1CBD-3163D267B46F}"/>
-              </a:ext>
-            </a:extLst>
-          </p:cNvPr>
-          <p:cNvPicPr>
-            <a:picLocks noChangeAspect="1"/>
-          </p:cNvPicPr>
-          <p:nvPr/>
-        </p:nvPicPr>
-        <p:blipFill>
-          <a:blip r:embed="rId2"/>
-          <a:stretch>
-            <a:fillRect/>
-          </a:stretch>
-        </p:blipFill>
-        <p:spPr>
-          <a:xfrm>
-            <a:off x="1024128" y="557784"/>
-            <a:ext cx="6381750" cy="5715000"/>
-          </a:xfrm>
-          <a:prstGeom prst="rect">
-            <a:avLst/>
-          </a:prstGeom>
-        </p:spPr>
-      </p:pic>
-    </p:spTree>
-    <p:extLst>
-      <p:ext uri="{BB962C8B-B14F-4D97-AF65-F5344CB8AC3E}">
-        <p14:creationId xmlns:p14="http://schemas.microsoft.com/office/powerpoint/2010/main" val="1890246766"/>
-      </p:ext>
-    </p:extLst>
-  </p:cSld>
-  <p:clrMapOvr>
-    <a:masterClrMapping/>
-  </p:clrMapOvr>
-</p:sld>
-</file>
-
-<file path=ppt/slides/slide40.xml><?xml version="1.0" encoding="utf-8"?>
+<file path=ppt/slides/slide41.xml><?xml version="1.0" encoding="utf-8"?>
 <p:sld xmlns:a="http://schemas.openxmlformats.org/drawingml/2006/main" xmlns:r="http://schemas.openxmlformats.org/officeDocument/2006/relationships" xmlns:p="http://schemas.openxmlformats.org/presentationml/2006/main">
   <p:cSld>
     <p:spTree>
@@ -25770,7 +25893,7 @@
 </p:sld>
 </file>
 
-<file path=ppt/slides/slide41.xml><?xml version="1.0" encoding="utf-8"?>
+<file path=ppt/slides/slide42.xml><?xml version="1.0" encoding="utf-8"?>
 <p:sld xmlns:a="http://schemas.openxmlformats.org/drawingml/2006/main" xmlns:r="http://schemas.openxmlformats.org/officeDocument/2006/relationships" xmlns:p="http://schemas.openxmlformats.org/presentationml/2006/main">
   <p:cSld>
     <p:spTree>
@@ -25905,7 +26028,7 @@
 </p:sld>
 </file>
 
-<file path=ppt/slides/slide42.xml><?xml version="1.0" encoding="utf-8"?>
+<file path=ppt/slides/slide43.xml><?xml version="1.0" encoding="utf-8"?>
 <p:sld xmlns:a="http://schemas.openxmlformats.org/drawingml/2006/main" xmlns:r="http://schemas.openxmlformats.org/officeDocument/2006/relationships" xmlns:p="http://schemas.openxmlformats.org/presentationml/2006/main">
   <p:cSld>
     <p:spTree>
@@ -26031,7 +26154,7 @@
 </p:sld>
 </file>
 
-<file path=ppt/slides/slide43.xml><?xml version="1.0" encoding="utf-8"?>
+<file path=ppt/slides/slide44.xml><?xml version="1.0" encoding="utf-8"?>
 <p:sld xmlns:a="http://schemas.openxmlformats.org/drawingml/2006/main" xmlns:r="http://schemas.openxmlformats.org/officeDocument/2006/relationships" xmlns:p="http://schemas.openxmlformats.org/presentationml/2006/main">
   <p:cSld>
     <p:spTree>
@@ -26218,7 +26341,7 @@
 </p:sld>
 </file>
 
-<file path=ppt/slides/slide44.xml><?xml version="1.0" encoding="utf-8"?>
+<file path=ppt/slides/slide45.xml><?xml version="1.0" encoding="utf-8"?>
 <p:sld xmlns:a="http://schemas.openxmlformats.org/drawingml/2006/main" xmlns:r="http://schemas.openxmlformats.org/officeDocument/2006/relationships" xmlns:p="http://schemas.openxmlformats.org/presentationml/2006/main">
   <p:cSld>
     <p:spTree>
@@ -26344,7 +26467,7 @@
 </p:sld>
 </file>
 
-<file path=ppt/slides/slide45.xml><?xml version="1.0" encoding="utf-8"?>
+<file path=ppt/slides/slide46.xml><?xml version="1.0" encoding="utf-8"?>
 <p:sld xmlns:a="http://schemas.openxmlformats.org/drawingml/2006/main" xmlns:r="http://schemas.openxmlformats.org/officeDocument/2006/relationships" xmlns:p="http://schemas.openxmlformats.org/presentationml/2006/main">
   <p:cSld>
     <p:spTree>
@@ -26479,7 +26602,7 @@
 </p:sld>
 </file>
 
-<file path=ppt/slides/slide46.xml><?xml version="1.0" encoding="utf-8"?>
+<file path=ppt/slides/slide47.xml><?xml version="1.0" encoding="utf-8"?>
 <p:sld xmlns:a="http://schemas.openxmlformats.org/drawingml/2006/main" xmlns:r="http://schemas.openxmlformats.org/officeDocument/2006/relationships" xmlns:p="http://schemas.openxmlformats.org/presentationml/2006/main">
   <p:cSld>
     <p:spTree>
@@ -26665,7 +26788,7 @@
 </p:sld>
 </file>
 
-<file path=ppt/slides/slide47.xml><?xml version="1.0" encoding="utf-8"?>
+<file path=ppt/slides/slide48.xml><?xml version="1.0" encoding="utf-8"?>
 <p:sld xmlns:a="http://schemas.openxmlformats.org/drawingml/2006/main" xmlns:r="http://schemas.openxmlformats.org/officeDocument/2006/relationships" xmlns:p="http://schemas.openxmlformats.org/presentationml/2006/main">
   <p:cSld>
     <p:spTree>
@@ -26779,7 +26902,7 @@
 </p:sld>
 </file>
 
-<file path=ppt/slides/slide48.xml><?xml version="1.0" encoding="utf-8"?>
+<file path=ppt/slides/slide49.xml><?xml version="1.0" encoding="utf-8"?>
 <p:sld xmlns:a="http://schemas.openxmlformats.org/drawingml/2006/main" xmlns:r="http://schemas.openxmlformats.org/officeDocument/2006/relationships" xmlns:p="http://schemas.openxmlformats.org/presentationml/2006/main">
   <p:cSld>
     <p:spTree>
@@ -26907,7 +27030,117 @@
 </p:sld>
 </file>
 
-<file path=ppt/slides/slide49.xml><?xml version="1.0" encoding="utf-8"?>
+<file path=ppt/slides/slide5.xml><?xml version="1.0" encoding="utf-8"?>
+<p:sld xmlns:a="http://schemas.openxmlformats.org/drawingml/2006/main" xmlns:r="http://schemas.openxmlformats.org/officeDocument/2006/relationships" xmlns:p="http://schemas.openxmlformats.org/presentationml/2006/main">
+  <p:cSld>
+    <p:spTree>
+      <p:nvGrpSpPr>
+        <p:cNvPr id="1" name=""/>
+        <p:cNvGrpSpPr/>
+        <p:nvPr/>
+      </p:nvGrpSpPr>
+      <p:grpSpPr>
+        <a:xfrm>
+          <a:off x="0" y="0"/>
+          <a:ext cx="0" cy="0"/>
+          <a:chOff x="0" y="0"/>
+          <a:chExt cx="0" cy="0"/>
+        </a:xfrm>
+      </p:grpSpPr>
+      <p:sp>
+        <p:nvSpPr>
+          <p:cNvPr id="2" name="Title 1">
+            <a:extLst>
+              <a:ext uri="{FF2B5EF4-FFF2-40B4-BE49-F238E27FC236}">
+                <a16:creationId xmlns:a16="http://schemas.microsoft.com/office/drawing/2014/main" id="{AEB07282-0C1D-0AB2-FBAF-2A23AB041991}"/>
+              </a:ext>
+            </a:extLst>
+          </p:cNvPr>
+          <p:cNvSpPr>
+            <a:spLocks noGrp="1"/>
+          </p:cNvSpPr>
+          <p:nvPr>
+            <p:ph type="title"/>
+          </p:nvPr>
+        </p:nvSpPr>
+        <p:spPr/>
+        <p:txBody>
+          <a:bodyPr/>
+          <a:lstStyle/>
+          <a:p>
+            <a:endParaRPr lang="en-NL"/>
+          </a:p>
+        </p:txBody>
+      </p:sp>
+      <p:sp>
+        <p:nvSpPr>
+          <p:cNvPr id="3" name="Content Placeholder 2">
+            <a:extLst>
+              <a:ext uri="{FF2B5EF4-FFF2-40B4-BE49-F238E27FC236}">
+                <a16:creationId xmlns:a16="http://schemas.microsoft.com/office/drawing/2014/main" id="{8C3D9CDD-AFBD-A870-988D-BF9B88D02D6B}"/>
+              </a:ext>
+            </a:extLst>
+          </p:cNvPr>
+          <p:cNvSpPr>
+            <a:spLocks noGrp="1"/>
+          </p:cNvSpPr>
+          <p:nvPr>
+            <p:ph idx="1"/>
+          </p:nvPr>
+        </p:nvSpPr>
+        <p:spPr/>
+        <p:txBody>
+          <a:bodyPr/>
+          <a:lstStyle/>
+          <a:p>
+            <a:endParaRPr lang="en-NL"/>
+          </a:p>
+        </p:txBody>
+      </p:sp>
+      <p:pic>
+        <p:nvPicPr>
+          <p:cNvPr id="5" name="Picture 4">
+            <a:extLst>
+              <a:ext uri="{FF2B5EF4-FFF2-40B4-BE49-F238E27FC236}">
+                <a16:creationId xmlns:a16="http://schemas.microsoft.com/office/drawing/2014/main" id="{ECE07FB2-D13F-53DE-1CBD-3163D267B46F}"/>
+              </a:ext>
+            </a:extLst>
+          </p:cNvPr>
+          <p:cNvPicPr>
+            <a:picLocks noChangeAspect="1"/>
+          </p:cNvPicPr>
+          <p:nvPr/>
+        </p:nvPicPr>
+        <p:blipFill>
+          <a:blip r:embed="rId2"/>
+          <a:stretch>
+            <a:fillRect/>
+          </a:stretch>
+        </p:blipFill>
+        <p:spPr>
+          <a:xfrm>
+            <a:off x="1024128" y="557784"/>
+            <a:ext cx="6381750" cy="5715000"/>
+          </a:xfrm>
+          <a:prstGeom prst="rect">
+            <a:avLst/>
+          </a:prstGeom>
+        </p:spPr>
+      </p:pic>
+    </p:spTree>
+    <p:extLst>
+      <p:ext uri="{BB962C8B-B14F-4D97-AF65-F5344CB8AC3E}">
+        <p14:creationId xmlns:p14="http://schemas.microsoft.com/office/powerpoint/2010/main" val="1890246766"/>
+      </p:ext>
+    </p:extLst>
+  </p:cSld>
+  <p:clrMapOvr>
+    <a:masterClrMapping/>
+  </p:clrMapOvr>
+</p:sld>
+</file>
+
+<file path=ppt/slides/slide50.xml><?xml version="1.0" encoding="utf-8"?>
 <p:sld xmlns:a="http://schemas.openxmlformats.org/drawingml/2006/main" xmlns:r="http://schemas.openxmlformats.org/officeDocument/2006/relationships" xmlns:p="http://schemas.openxmlformats.org/presentationml/2006/main">
   <p:cSld>
     <p:spTree>
@@ -27069,125 +27302,7 @@
 </p:sld>
 </file>
 
-<file path=ppt/slides/slide5.xml><?xml version="1.0" encoding="utf-8"?>
-<p:sld xmlns:a="http://schemas.openxmlformats.org/drawingml/2006/main" xmlns:r="http://schemas.openxmlformats.org/officeDocument/2006/relationships" xmlns:p="http://schemas.openxmlformats.org/presentationml/2006/main">
-  <p:cSld>
-    <p:spTree>
-      <p:nvGrpSpPr>
-        <p:cNvPr id="1" name=""/>
-        <p:cNvGrpSpPr/>
-        <p:nvPr/>
-      </p:nvGrpSpPr>
-      <p:grpSpPr>
-        <a:xfrm>
-          <a:off x="0" y="0"/>
-          <a:ext cx="0" cy="0"/>
-          <a:chOff x="0" y="0"/>
-          <a:chExt cx="0" cy="0"/>
-        </a:xfrm>
-      </p:grpSpPr>
-      <p:sp>
-        <p:nvSpPr>
-          <p:cNvPr id="2" name="Title 1">
-            <a:extLst>
-              <a:ext uri="{FF2B5EF4-FFF2-40B4-BE49-F238E27FC236}">
-                <a16:creationId xmlns:a16="http://schemas.microsoft.com/office/drawing/2014/main" id="{D80FFD7A-9FD2-E52B-8480-372DDDC8F7C9}"/>
-              </a:ext>
-            </a:extLst>
-          </p:cNvPr>
-          <p:cNvSpPr>
-            <a:spLocks noGrp="1"/>
-          </p:cNvSpPr>
-          <p:nvPr>
-            <p:ph type="title"/>
-          </p:nvPr>
-        </p:nvSpPr>
-        <p:spPr/>
-        <p:txBody>
-          <a:bodyPr/>
-          <a:lstStyle/>
-          <a:p>
-            <a:r>
-              <a:rPr lang="nl-NL" dirty="0"/>
-              <a:t>Querying</a:t>
-            </a:r>
-            <a:endParaRPr lang="en-NL" dirty="0"/>
-          </a:p>
-        </p:txBody>
-      </p:sp>
-      <p:sp>
-        <p:nvSpPr>
-          <p:cNvPr id="3" name="Content Placeholder 2">
-            <a:extLst>
-              <a:ext uri="{FF2B5EF4-FFF2-40B4-BE49-F238E27FC236}">
-                <a16:creationId xmlns:a16="http://schemas.microsoft.com/office/drawing/2014/main" id="{FADD7374-9E16-0B89-5A6B-101667367628}"/>
-              </a:ext>
-            </a:extLst>
-          </p:cNvPr>
-          <p:cNvSpPr>
-            <a:spLocks noGrp="1"/>
-          </p:cNvSpPr>
-          <p:nvPr>
-            <p:ph idx="1"/>
-          </p:nvPr>
-        </p:nvSpPr>
-        <p:spPr/>
-        <p:txBody>
-          <a:bodyPr/>
-          <a:lstStyle/>
-          <a:p>
-            <a:r>
-              <a:rPr lang="en-US" dirty="0"/>
-              <a:t>Instances of your entity classes are retrieved from the database using Language Integrated Query (LINQ). </a:t>
-            </a:r>
-            <a:endParaRPr lang="en-NL" dirty="0"/>
-          </a:p>
-        </p:txBody>
-      </p:sp>
-      <p:pic>
-        <p:nvPicPr>
-          <p:cNvPr id="5" name="Picture 4">
-            <a:extLst>
-              <a:ext uri="{FF2B5EF4-FFF2-40B4-BE49-F238E27FC236}">
-                <a16:creationId xmlns:a16="http://schemas.microsoft.com/office/drawing/2014/main" id="{4814E515-DE04-B85B-63D8-CCCA78DC47FC}"/>
-              </a:ext>
-            </a:extLst>
-          </p:cNvPr>
-          <p:cNvPicPr>
-            <a:picLocks noChangeAspect="1"/>
-          </p:cNvPicPr>
-          <p:nvPr/>
-        </p:nvPicPr>
-        <p:blipFill>
-          <a:blip r:embed="rId2"/>
-          <a:stretch>
-            <a:fillRect/>
-          </a:stretch>
-        </p:blipFill>
-        <p:spPr>
-          <a:xfrm>
-            <a:off x="1024128" y="3144636"/>
-            <a:ext cx="5729854" cy="1578283"/>
-          </a:xfrm>
-          <a:prstGeom prst="rect">
-            <a:avLst/>
-          </a:prstGeom>
-        </p:spPr>
-      </p:pic>
-    </p:spTree>
-    <p:extLst>
-      <p:ext uri="{BB962C8B-B14F-4D97-AF65-F5344CB8AC3E}">
-        <p14:creationId xmlns:p14="http://schemas.microsoft.com/office/powerpoint/2010/main" val="2524600501"/>
-      </p:ext>
-    </p:extLst>
-  </p:cSld>
-  <p:clrMapOvr>
-    <a:masterClrMapping/>
-  </p:clrMapOvr>
-</p:sld>
-</file>
-
-<file path=ppt/slides/slide50.xml><?xml version="1.0" encoding="utf-8"?>
+<file path=ppt/slides/slide51.xml><?xml version="1.0" encoding="utf-8"?>
 <p:sld xmlns:a="http://schemas.openxmlformats.org/drawingml/2006/main" xmlns:r="http://schemas.openxmlformats.org/officeDocument/2006/relationships" xmlns:p="http://schemas.openxmlformats.org/presentationml/2006/main">
   <p:cSld>
     <p:spTree>
@@ -27315,7 +27430,7 @@
 </p:sld>
 </file>
 
-<file path=ppt/slides/slide51.xml><?xml version="1.0" encoding="utf-8"?>
+<file path=ppt/slides/slide52.xml><?xml version="1.0" encoding="utf-8"?>
 <p:sld xmlns:a="http://schemas.openxmlformats.org/drawingml/2006/main" xmlns:r="http://schemas.openxmlformats.org/officeDocument/2006/relationships" xmlns:p="http://schemas.openxmlformats.org/presentationml/2006/main">
   <p:cSld>
     <p:spTree>
@@ -27439,7 +27554,7 @@
 </p:sld>
 </file>
 
-<file path=ppt/slides/slide52.xml><?xml version="1.0" encoding="utf-8"?>
+<file path=ppt/slides/slide53.xml><?xml version="1.0" encoding="utf-8"?>
 <p:sld xmlns:a="http://schemas.openxmlformats.org/drawingml/2006/main" xmlns:r="http://schemas.openxmlformats.org/officeDocument/2006/relationships" xmlns:p="http://schemas.openxmlformats.org/presentationml/2006/main">
   <p:cSld>
     <p:spTree>
@@ -27559,7 +27674,7 @@
 </p:sld>
 </file>
 
-<file path=ppt/slides/slide53.xml><?xml version="1.0" encoding="utf-8"?>
+<file path=ppt/slides/slide54.xml><?xml version="1.0" encoding="utf-8"?>
 <p:sld xmlns:a="http://schemas.openxmlformats.org/drawingml/2006/main" xmlns:r="http://schemas.openxmlformats.org/officeDocument/2006/relationships" xmlns:p="http://schemas.openxmlformats.org/presentationml/2006/main">
   <p:cSld>
     <p:spTree>
@@ -27677,7 +27792,7 @@
 </p:sld>
 </file>
 
-<file path=ppt/slides/slide54.xml><?xml version="1.0" encoding="utf-8"?>
+<file path=ppt/slides/slide55.xml><?xml version="1.0" encoding="utf-8"?>
 <p:sld xmlns:a="http://schemas.openxmlformats.org/drawingml/2006/main" xmlns:r="http://schemas.openxmlformats.org/officeDocument/2006/relationships" xmlns:p="http://schemas.openxmlformats.org/presentationml/2006/main">
   <p:cSld>
     <p:spTree>
@@ -27825,7 +27940,7 @@
 </p:sld>
 </file>
 
-<file path=ppt/slides/slide55.xml><?xml version="1.0" encoding="utf-8"?>
+<file path=ppt/slides/slide56.xml><?xml version="1.0" encoding="utf-8"?>
 <p:sld xmlns:a="http://schemas.openxmlformats.org/drawingml/2006/main" xmlns:r="http://schemas.openxmlformats.org/officeDocument/2006/relationships" xmlns:p="http://schemas.openxmlformats.org/presentationml/2006/main">
   <p:cSld>
     <p:spTree>
@@ -27945,7 +28060,7 @@
 </p:sld>
 </file>
 
-<file path=ppt/slides/slide56.xml><?xml version="1.0" encoding="utf-8"?>
+<file path=ppt/slides/slide57.xml><?xml version="1.0" encoding="utf-8"?>
 <p:sld xmlns:a="http://schemas.openxmlformats.org/drawingml/2006/main" xmlns:r="http://schemas.openxmlformats.org/officeDocument/2006/relationships" xmlns:p="http://schemas.openxmlformats.org/presentationml/2006/main">
   <p:cSld>
     <p:spTree>
@@ -28038,7 +28153,7 @@
 </p:sld>
 </file>
 
-<file path=ppt/slides/slide57.xml><?xml version="1.0" encoding="utf-8"?>
+<file path=ppt/slides/slide58.xml><?xml version="1.0" encoding="utf-8"?>
 <p:sld xmlns:a="http://schemas.openxmlformats.org/drawingml/2006/main" xmlns:r="http://schemas.openxmlformats.org/officeDocument/2006/relationships" xmlns:p="http://schemas.openxmlformats.org/presentationml/2006/main">
   <p:cSld>
     <p:spTree>
@@ -28179,7 +28294,7 @@
 </p:sld>
 </file>
 
-<file path=ppt/slides/slide58.xml><?xml version="1.0" encoding="utf-8"?>
+<file path=ppt/slides/slide59.xml><?xml version="1.0" encoding="utf-8"?>
 <p:sld xmlns:a="http://schemas.openxmlformats.org/drawingml/2006/main" xmlns:r="http://schemas.openxmlformats.org/officeDocument/2006/relationships" xmlns:p="http://schemas.openxmlformats.org/presentationml/2006/main">
   <p:cSld>
     <p:spTree>
@@ -28324,6 +28439,124 @@
           <p:cNvPr id="2" name="Title 1">
             <a:extLst>
               <a:ext uri="{FF2B5EF4-FFF2-40B4-BE49-F238E27FC236}">
+                <a16:creationId xmlns:a16="http://schemas.microsoft.com/office/drawing/2014/main" id="{D80FFD7A-9FD2-E52B-8480-372DDDC8F7C9}"/>
+              </a:ext>
+            </a:extLst>
+          </p:cNvPr>
+          <p:cNvSpPr>
+            <a:spLocks noGrp="1"/>
+          </p:cNvSpPr>
+          <p:nvPr>
+            <p:ph type="title"/>
+          </p:nvPr>
+        </p:nvSpPr>
+        <p:spPr/>
+        <p:txBody>
+          <a:bodyPr/>
+          <a:lstStyle/>
+          <a:p>
+            <a:r>
+              <a:rPr lang="nl-NL" dirty="0"/>
+              <a:t>Querying</a:t>
+            </a:r>
+            <a:endParaRPr lang="en-NL" dirty="0"/>
+          </a:p>
+        </p:txBody>
+      </p:sp>
+      <p:sp>
+        <p:nvSpPr>
+          <p:cNvPr id="3" name="Content Placeholder 2">
+            <a:extLst>
+              <a:ext uri="{FF2B5EF4-FFF2-40B4-BE49-F238E27FC236}">
+                <a16:creationId xmlns:a16="http://schemas.microsoft.com/office/drawing/2014/main" id="{FADD7374-9E16-0B89-5A6B-101667367628}"/>
+              </a:ext>
+            </a:extLst>
+          </p:cNvPr>
+          <p:cNvSpPr>
+            <a:spLocks noGrp="1"/>
+          </p:cNvSpPr>
+          <p:nvPr>
+            <p:ph idx="1"/>
+          </p:nvPr>
+        </p:nvSpPr>
+        <p:spPr/>
+        <p:txBody>
+          <a:bodyPr/>
+          <a:lstStyle/>
+          <a:p>
+            <a:r>
+              <a:rPr lang="en-US" dirty="0"/>
+              <a:t>Instances of your entity classes are retrieved from the database using Language Integrated Query (LINQ). </a:t>
+            </a:r>
+            <a:endParaRPr lang="en-NL" dirty="0"/>
+          </a:p>
+        </p:txBody>
+      </p:sp>
+      <p:pic>
+        <p:nvPicPr>
+          <p:cNvPr id="5" name="Picture 4">
+            <a:extLst>
+              <a:ext uri="{FF2B5EF4-FFF2-40B4-BE49-F238E27FC236}">
+                <a16:creationId xmlns:a16="http://schemas.microsoft.com/office/drawing/2014/main" id="{4814E515-DE04-B85B-63D8-CCCA78DC47FC}"/>
+              </a:ext>
+            </a:extLst>
+          </p:cNvPr>
+          <p:cNvPicPr>
+            <a:picLocks noChangeAspect="1"/>
+          </p:cNvPicPr>
+          <p:nvPr/>
+        </p:nvPicPr>
+        <p:blipFill>
+          <a:blip r:embed="rId2"/>
+          <a:stretch>
+            <a:fillRect/>
+          </a:stretch>
+        </p:blipFill>
+        <p:spPr>
+          <a:xfrm>
+            <a:off x="1024128" y="3144636"/>
+            <a:ext cx="5729854" cy="1578283"/>
+          </a:xfrm>
+          <a:prstGeom prst="rect">
+            <a:avLst/>
+          </a:prstGeom>
+        </p:spPr>
+      </p:pic>
+    </p:spTree>
+    <p:extLst>
+      <p:ext uri="{BB962C8B-B14F-4D97-AF65-F5344CB8AC3E}">
+        <p14:creationId xmlns:p14="http://schemas.microsoft.com/office/powerpoint/2010/main" val="2524600501"/>
+      </p:ext>
+    </p:extLst>
+  </p:cSld>
+  <p:clrMapOvr>
+    <a:masterClrMapping/>
+  </p:clrMapOvr>
+</p:sld>
+</file>
+
+<file path=ppt/slides/slide7.xml><?xml version="1.0" encoding="utf-8"?>
+<p:sld xmlns:a="http://schemas.openxmlformats.org/drawingml/2006/main" xmlns:r="http://schemas.openxmlformats.org/officeDocument/2006/relationships" xmlns:p="http://schemas.openxmlformats.org/presentationml/2006/main">
+  <p:cSld>
+    <p:spTree>
+      <p:nvGrpSpPr>
+        <p:cNvPr id="1" name=""/>
+        <p:cNvGrpSpPr/>
+        <p:nvPr/>
+      </p:nvGrpSpPr>
+      <p:grpSpPr>
+        <a:xfrm>
+          <a:off x="0" y="0"/>
+          <a:ext cx="0" cy="0"/>
+          <a:chOff x="0" y="0"/>
+          <a:chExt cx="0" cy="0"/>
+        </a:xfrm>
+      </p:grpSpPr>
+      <p:sp>
+        <p:nvSpPr>
+          <p:cNvPr id="2" name="Title 1">
+            <a:extLst>
+              <a:ext uri="{FF2B5EF4-FFF2-40B4-BE49-F238E27FC236}">
                 <a16:creationId xmlns:a16="http://schemas.microsoft.com/office/drawing/2014/main" id="{B3DABA5F-59AE-233E-31E9-6233CB1F6029}"/>
               </a:ext>
             </a:extLst>
@@ -28420,7 +28653,7 @@
 </p:sld>
 </file>
 
-<file path=ppt/slides/slide7.xml><?xml version="1.0" encoding="utf-8"?>
+<file path=ppt/slides/slide8.xml><?xml version="1.0" encoding="utf-8"?>
 <p:sld xmlns:a="http://schemas.openxmlformats.org/drawingml/2006/main" xmlns:r="http://schemas.openxmlformats.org/officeDocument/2006/relationships" xmlns:p="http://schemas.openxmlformats.org/presentationml/2006/main">
   <p:cSld>
     <p:spTree>
@@ -28553,7 +28786,7 @@
 </p:sld>
 </file>
 
-<file path=ppt/slides/slide8.xml><?xml version="1.0" encoding="utf-8"?>
+<file path=ppt/slides/slide9.xml><?xml version="1.0" encoding="utf-8"?>
 <p:sld xmlns:a="http://schemas.openxmlformats.org/drawingml/2006/main" xmlns:r="http://schemas.openxmlformats.org/officeDocument/2006/relationships" xmlns:p="http://schemas.openxmlformats.org/presentationml/2006/main">
   <p:cSld>
     <p:spTree>
@@ -28671,111 +28904,6 @@
     <p:extLst>
       <p:ext uri="{BB962C8B-B14F-4D97-AF65-F5344CB8AC3E}">
         <p14:creationId xmlns:p14="http://schemas.microsoft.com/office/powerpoint/2010/main" val="1019112301"/>
-      </p:ext>
-    </p:extLst>
-  </p:cSld>
-  <p:clrMapOvr>
-    <a:masterClrMapping/>
-  </p:clrMapOvr>
-</p:sld>
-</file>
-
-<file path=ppt/slides/slide9.xml><?xml version="1.0" encoding="utf-8"?>
-<p:sld xmlns:a="http://schemas.openxmlformats.org/drawingml/2006/main" xmlns:r="http://schemas.openxmlformats.org/officeDocument/2006/relationships" xmlns:p="http://schemas.openxmlformats.org/presentationml/2006/main">
-  <p:cSld>
-    <p:spTree>
-      <p:nvGrpSpPr>
-        <p:cNvPr id="1" name=""/>
-        <p:cNvGrpSpPr/>
-        <p:nvPr/>
-      </p:nvGrpSpPr>
-      <p:grpSpPr>
-        <a:xfrm>
-          <a:off x="0" y="0"/>
-          <a:ext cx="0" cy="0"/>
-          <a:chOff x="0" y="0"/>
-          <a:chExt cx="0" cy="0"/>
-        </a:xfrm>
-      </p:grpSpPr>
-      <p:sp>
-        <p:nvSpPr>
-          <p:cNvPr id="2" name="Title 1">
-            <a:extLst>
-              <a:ext uri="{FF2B5EF4-FFF2-40B4-BE49-F238E27FC236}">
-                <a16:creationId xmlns:a16="http://schemas.microsoft.com/office/drawing/2014/main" id="{1D188030-44B0-6D7F-A00C-DFEF233FE03F}"/>
-              </a:ext>
-            </a:extLst>
-          </p:cNvPr>
-          <p:cNvSpPr>
-            <a:spLocks noGrp="1"/>
-          </p:cNvSpPr>
-          <p:nvPr>
-            <p:ph type="title"/>
-          </p:nvPr>
-        </p:nvSpPr>
-        <p:spPr/>
-        <p:txBody>
-          <a:bodyPr/>
-          <a:lstStyle/>
-          <a:p>
-            <a:r>
-              <a:rPr lang="en-US" dirty="0"/>
-              <a:t>Getting Started with EF Core</a:t>
-            </a:r>
-            <a:endParaRPr lang="en-NL" dirty="0"/>
-          </a:p>
-        </p:txBody>
-      </p:sp>
-      <p:sp>
-        <p:nvSpPr>
-          <p:cNvPr id="3" name="Content Placeholder 2">
-            <a:extLst>
-              <a:ext uri="{FF2B5EF4-FFF2-40B4-BE49-F238E27FC236}">
-                <a16:creationId xmlns:a16="http://schemas.microsoft.com/office/drawing/2014/main" id="{84B5DACF-E173-F1B4-D0C8-3D7690D2C93B}"/>
-              </a:ext>
-            </a:extLst>
-          </p:cNvPr>
-          <p:cNvSpPr>
-            <a:spLocks noGrp="1"/>
-          </p:cNvSpPr>
-          <p:nvPr>
-            <p:ph idx="1"/>
-          </p:nvPr>
-        </p:nvSpPr>
-        <p:spPr/>
-        <p:txBody>
-          <a:bodyPr/>
-          <a:lstStyle/>
-          <a:p>
-            <a:r>
-              <a:rPr lang="en-US" dirty="0"/>
-              <a:t>In this tutorial, you create a .NET Core console app that performs data access against a SQLite database using Entity Framework Core.</a:t>
-            </a:r>
-          </a:p>
-          <a:p>
-            <a:r>
-              <a:rPr lang="en-US" dirty="0"/>
-              <a:t>You can follow the tutorial by using Visual Studio on Windows, or by using the .NET Core CLI on Windows, macOS, or Linux.</a:t>
-            </a:r>
-          </a:p>
-          <a:p>
-            <a:r>
-              <a:rPr lang="nl-NL" dirty="0">
-                <a:hlinkClick r:id="rId2"/>
-              </a:rPr>
-              <a:t>https://docs.microsoft.com/en-us/ef/core/get-started/overview/first-app?tabs=visual-studio</a:t>
-            </a:r>
-            <a:endParaRPr lang="nl-NL" dirty="0"/>
-          </a:p>
-          <a:p>
-            <a:endParaRPr lang="en-NL" dirty="0"/>
-          </a:p>
-        </p:txBody>
-      </p:sp>
-    </p:spTree>
-    <p:extLst>
-      <p:ext uri="{BB962C8B-B14F-4D97-AF65-F5344CB8AC3E}">
-        <p14:creationId xmlns:p14="http://schemas.microsoft.com/office/powerpoint/2010/main" val="4276515302"/>
       </p:ext>
     </p:extLst>
   </p:cSld>
